--- a/INE/Figure 1.pptx
+++ b/INE/Figure 1.pptx
@@ -104,6 +104,11 @@
       </a:defRPr>
     </a:lvl9pPr>
   </p:defaultTextStyle>
+  <p:extLst>
+    <p:ext uri="{EFAFB233-063F-42B5-8137-9DF3F51BA10A}">
+      <p15:sldGuideLst xmlns:p15="http://schemas.microsoft.com/office/powerpoint/2012/main"/>
+    </p:ext>
+  </p:extLst>
 </p:presentation>
 </file>
 
@@ -254,7 +259,7 @@
           <a:p>
             <a:fld id="{619E7AB9-73F5-034F-AE23-3CCFB0B1A3A0}" type="datetimeFigureOut">
               <a:rPr lang="en-US" smtClean="0"/>
-              <a:t>3/16/22</a:t>
+              <a:t>3/28/22</a:t>
             </a:fld>
             <a:endParaRPr lang="en-US"/>
           </a:p>
@@ -452,7 +457,7 @@
           <a:p>
             <a:fld id="{619E7AB9-73F5-034F-AE23-3CCFB0B1A3A0}" type="datetimeFigureOut">
               <a:rPr lang="en-US" smtClean="0"/>
-              <a:t>3/16/22</a:t>
+              <a:t>3/28/22</a:t>
             </a:fld>
             <a:endParaRPr lang="en-US"/>
           </a:p>
@@ -660,7 +665,7 @@
           <a:p>
             <a:fld id="{619E7AB9-73F5-034F-AE23-3CCFB0B1A3A0}" type="datetimeFigureOut">
               <a:rPr lang="en-US" smtClean="0"/>
-              <a:t>3/16/22</a:t>
+              <a:t>3/28/22</a:t>
             </a:fld>
             <a:endParaRPr lang="en-US"/>
           </a:p>
@@ -858,7 +863,7 @@
           <a:p>
             <a:fld id="{619E7AB9-73F5-034F-AE23-3CCFB0B1A3A0}" type="datetimeFigureOut">
               <a:rPr lang="en-US" smtClean="0"/>
-              <a:t>3/16/22</a:t>
+              <a:t>3/28/22</a:t>
             </a:fld>
             <a:endParaRPr lang="en-US"/>
           </a:p>
@@ -1133,7 +1138,7 @@
           <a:p>
             <a:fld id="{619E7AB9-73F5-034F-AE23-3CCFB0B1A3A0}" type="datetimeFigureOut">
               <a:rPr lang="en-US" smtClean="0"/>
-              <a:t>3/16/22</a:t>
+              <a:t>3/28/22</a:t>
             </a:fld>
             <a:endParaRPr lang="en-US"/>
           </a:p>
@@ -1398,7 +1403,7 @@
           <a:p>
             <a:fld id="{619E7AB9-73F5-034F-AE23-3CCFB0B1A3A0}" type="datetimeFigureOut">
               <a:rPr lang="en-US" smtClean="0"/>
-              <a:t>3/16/22</a:t>
+              <a:t>3/28/22</a:t>
             </a:fld>
             <a:endParaRPr lang="en-US"/>
           </a:p>
@@ -1810,7 +1815,7 @@
           <a:p>
             <a:fld id="{619E7AB9-73F5-034F-AE23-3CCFB0B1A3A0}" type="datetimeFigureOut">
               <a:rPr lang="en-US" smtClean="0"/>
-              <a:t>3/16/22</a:t>
+              <a:t>3/28/22</a:t>
             </a:fld>
             <a:endParaRPr lang="en-US"/>
           </a:p>
@@ -1951,7 +1956,7 @@
           <a:p>
             <a:fld id="{619E7AB9-73F5-034F-AE23-3CCFB0B1A3A0}" type="datetimeFigureOut">
               <a:rPr lang="en-US" smtClean="0"/>
-              <a:t>3/16/22</a:t>
+              <a:t>3/28/22</a:t>
             </a:fld>
             <a:endParaRPr lang="en-US"/>
           </a:p>
@@ -2064,7 +2069,7 @@
           <a:p>
             <a:fld id="{619E7AB9-73F5-034F-AE23-3CCFB0B1A3A0}" type="datetimeFigureOut">
               <a:rPr lang="en-US" smtClean="0"/>
-              <a:t>3/16/22</a:t>
+              <a:t>3/28/22</a:t>
             </a:fld>
             <a:endParaRPr lang="en-US"/>
           </a:p>
@@ -2375,7 +2380,7 @@
           <a:p>
             <a:fld id="{619E7AB9-73F5-034F-AE23-3CCFB0B1A3A0}" type="datetimeFigureOut">
               <a:rPr lang="en-US" smtClean="0"/>
-              <a:t>3/16/22</a:t>
+              <a:t>3/28/22</a:t>
             </a:fld>
             <a:endParaRPr lang="en-US"/>
           </a:p>
@@ -2663,7 +2668,7 @@
           <a:p>
             <a:fld id="{619E7AB9-73F5-034F-AE23-3CCFB0B1A3A0}" type="datetimeFigureOut">
               <a:rPr lang="en-US" smtClean="0"/>
-              <a:t>3/16/22</a:t>
+              <a:t>3/28/22</a:t>
             </a:fld>
             <a:endParaRPr lang="en-US"/>
           </a:p>
@@ -2904,7 +2909,7 @@
           <a:p>
             <a:fld id="{619E7AB9-73F5-034F-AE23-3CCFB0B1A3A0}" type="datetimeFigureOut">
               <a:rPr lang="en-US" smtClean="0"/>
-              <a:t>3/16/22</a:t>
+              <a:t>3/28/22</a:t>
             </a:fld>
             <a:endParaRPr lang="en-US"/>
           </a:p>
@@ -3491,8 +3496,8 @@
         </p:nvSpPr>
         <p:spPr>
           <a:xfrm>
-            <a:off x="1701111" y="4811080"/>
-            <a:ext cx="1688860" cy="369332"/>
+            <a:off x="1915161" y="4672580"/>
+            <a:ext cx="1120820" cy="646331"/>
           </a:xfrm>
           <a:prstGeom prst="rect">
             <a:avLst/>
@@ -3511,7 +3516,17 @@
                 <a:latin typeface="Times New Roman" panose="02020603050405020304" pitchFamily="18" charset="0"/>
                 <a:cs typeface="Times New Roman" panose="02020603050405020304" pitchFamily="18" charset="0"/>
               </a:rPr>
-              <a:t>News Attraction</a:t>
+              <a:t>News </a:t>
+            </a:r>
+          </a:p>
+          <a:p>
+            <a:pPr algn="ctr"/>
+            <a:r>
+              <a:rPr lang="en-US" dirty="0">
+                <a:latin typeface="Times New Roman" panose="02020603050405020304" pitchFamily="18" charset="0"/>
+                <a:cs typeface="Times New Roman" panose="02020603050405020304" pitchFamily="18" charset="0"/>
+              </a:rPr>
+              <a:t>Attraction</a:t>
             </a:r>
           </a:p>
         </p:txBody>
@@ -3530,8 +3545,8 @@
         </p:nvSpPr>
         <p:spPr>
           <a:xfrm>
-            <a:off x="5275903" y="1734505"/>
-            <a:ext cx="1640193" cy="369332"/>
+            <a:off x="5567650" y="1596006"/>
+            <a:ext cx="1056700" cy="646331"/>
           </a:xfrm>
           <a:prstGeom prst="rect">
             <a:avLst/>
@@ -3550,7 +3565,17 @@
                 <a:latin typeface="Times New Roman" panose="02020603050405020304" pitchFamily="18" charset="0"/>
                 <a:cs typeface="Times New Roman" panose="02020603050405020304" pitchFamily="18" charset="0"/>
               </a:rPr>
-              <a:t>News Exposure</a:t>
+              <a:t>News </a:t>
+            </a:r>
+          </a:p>
+          <a:p>
+            <a:pPr algn="ctr"/>
+            <a:r>
+              <a:rPr lang="en-US" dirty="0">
+                <a:latin typeface="Times New Roman" panose="02020603050405020304" pitchFamily="18" charset="0"/>
+                <a:cs typeface="Times New Roman" panose="02020603050405020304" pitchFamily="18" charset="0"/>
+              </a:rPr>
+              <a:t>Exposure</a:t>
             </a:r>
           </a:p>
         </p:txBody>
@@ -3569,7 +3594,7 @@
         </p:nvSpPr>
         <p:spPr>
           <a:xfrm>
-            <a:off x="8743934" y="4811080"/>
+            <a:off x="8894617" y="4672580"/>
             <a:ext cx="1338828" cy="646331"/>
           </a:xfrm>
           <a:prstGeom prst="rect">
@@ -3606,15 +3631,16 @@
       </p:sp>
       <p:cxnSp>
         <p:nvCxnSpPr>
-          <p:cNvPr id="9" name="Straight Arrow Connector 8">
-            <a:extLst>
-              <a:ext uri="{FF2B5EF4-FFF2-40B4-BE49-F238E27FC236}">
-                <a16:creationId xmlns:a16="http://schemas.microsoft.com/office/drawing/2014/main" id="{3D510F01-6327-7D40-92EB-695231350FFC}"/>
+          <p:cNvPr id="14" name="Straight Arrow Connector 13">
+            <a:extLst>
+              <a:ext uri="{FF2B5EF4-FFF2-40B4-BE49-F238E27FC236}">
+                <a16:creationId xmlns:a16="http://schemas.microsoft.com/office/drawing/2014/main" id="{934A1058-EF90-B94B-B0BA-9F818463AC40}"/>
               </a:ext>
             </a:extLst>
           </p:cNvPr>
           <p:cNvCxnSpPr>
-            <a:stCxn id="5" idx="3"/>
+            <a:cxnSpLocks/>
+            <a:stCxn id="2" idx="3"/>
             <a:endCxn id="3" idx="2"/>
           </p:cNvCxnSpPr>
           <p:nvPr/>
@@ -3627,10 +3653,11 @@
           <a:prstGeom prst="straightConnector1">
             <a:avLst/>
           </a:prstGeom>
-          <a:ln w="12700">
+          <a:ln w="19050">
             <a:solidFill>
               <a:schemeClr val="tx1"/>
             </a:solidFill>
+            <a:headEnd type="triangle"/>
             <a:tailEnd type="triangle"/>
           </a:ln>
         </p:spPr>
@@ -3651,32 +3678,33 @@
       </p:cxnSp>
       <p:cxnSp>
         <p:nvCxnSpPr>
-          <p:cNvPr id="10" name="Straight Arrow Connector 9">
-            <a:extLst>
-              <a:ext uri="{FF2B5EF4-FFF2-40B4-BE49-F238E27FC236}">
-                <a16:creationId xmlns:a16="http://schemas.microsoft.com/office/drawing/2014/main" id="{BC104287-8076-434F-BBC4-2A7807B32DCB}"/>
+          <p:cNvPr id="17" name="Straight Arrow Connector 16">
+            <a:extLst>
+              <a:ext uri="{FF2B5EF4-FFF2-40B4-BE49-F238E27FC236}">
+                <a16:creationId xmlns:a16="http://schemas.microsoft.com/office/drawing/2014/main" id="{2BC16963-1F2F-A842-98C5-0D476345E3D7}"/>
               </a:ext>
             </a:extLst>
           </p:cNvPr>
           <p:cNvCxnSpPr>
             <a:cxnSpLocks/>
-            <a:stCxn id="3" idx="2"/>
+            <a:stCxn id="2" idx="3"/>
             <a:endCxn id="4" idx="1"/>
           </p:cNvCxnSpPr>
           <p:nvPr/>
         </p:nvCxnSpPr>
         <p:spPr>
           <a:xfrm>
-            <a:off x="6096000" y="2833571"/>
-            <a:ext cx="2553631" cy="2162175"/>
+            <a:off x="3389971" y="4995746"/>
+            <a:ext cx="5259660" cy="0"/>
           </a:xfrm>
           <a:prstGeom prst="straightConnector1">
             <a:avLst/>
           </a:prstGeom>
-          <a:ln w="12700">
+          <a:ln w="19050">
             <a:solidFill>
               <a:schemeClr val="tx1"/>
             </a:solidFill>
+            <a:headEnd type="triangle"/>
             <a:tailEnd type="triangle"/>
           </a:ln>
         </p:spPr>
@@ -3697,32 +3725,33 @@
       </p:cxnSp>
       <p:cxnSp>
         <p:nvCxnSpPr>
-          <p:cNvPr id="13" name="Straight Arrow Connector 12">
-            <a:extLst>
-              <a:ext uri="{FF2B5EF4-FFF2-40B4-BE49-F238E27FC236}">
-                <a16:creationId xmlns:a16="http://schemas.microsoft.com/office/drawing/2014/main" id="{F824CDEA-D40C-984E-A116-9231FCA33111}"/>
+          <p:cNvPr id="20" name="Straight Arrow Connector 19">
+            <a:extLst>
+              <a:ext uri="{FF2B5EF4-FFF2-40B4-BE49-F238E27FC236}">
+                <a16:creationId xmlns:a16="http://schemas.microsoft.com/office/drawing/2014/main" id="{B9AE2A07-5286-CE44-9658-AB4865C17454}"/>
               </a:ext>
             </a:extLst>
           </p:cNvPr>
           <p:cNvCxnSpPr>
             <a:cxnSpLocks/>
-            <a:stCxn id="2" idx="3"/>
-            <a:endCxn id="4" idx="1"/>
+            <a:stCxn id="4" idx="1"/>
+            <a:endCxn id="3" idx="2"/>
           </p:cNvCxnSpPr>
           <p:nvPr/>
         </p:nvCxnSpPr>
         <p:spPr>
-          <a:xfrm>
-            <a:off x="3389971" y="4995746"/>
-            <a:ext cx="5259660" cy="0"/>
+          <a:xfrm flipH="1" flipV="1">
+            <a:off x="6096000" y="2833571"/>
+            <a:ext cx="2553631" cy="2162175"/>
           </a:xfrm>
           <a:prstGeom prst="straightConnector1">
             <a:avLst/>
           </a:prstGeom>
-          <a:ln w="12700">
+          <a:ln w="19050">
             <a:solidFill>
               <a:schemeClr val="tx1"/>
             </a:solidFill>
+            <a:headEnd type="triangle"/>
             <a:tailEnd type="triangle"/>
           </a:ln>
         </p:spPr>
